--- a/poster_hand_gesture.pptx
+++ b/poster_hand_gesture.pptx
@@ -1772,7 +1772,7 @@
           <a:p>
             <a:fld id="{985D6BDF-9D0E-4E2B-85B8-D8F4790360C9}" type="datetimeFigureOut">
               <a:rPr lang="en-US" smtClean="0"/>
-              <a:t>1/6/2026</a:t>
+              <a:t>2/26/2026</a:t>
             </a:fld>
             <a:endParaRPr lang="en-US" dirty="0"/>
           </a:p>
@@ -1983,7 +1983,7 @@
           <a:p>
             <a:fld id="{985D6BDF-9D0E-4E2B-85B8-D8F4790360C9}" type="datetimeFigureOut">
               <a:rPr lang="en-US" smtClean="0"/>
-              <a:t>1/6/2026</a:t>
+              <a:t>2/26/2026</a:t>
             </a:fld>
             <a:endParaRPr lang="en-US" dirty="0"/>
           </a:p>
@@ -2777,7 +2777,7 @@
         </p:nvSpPr>
         <p:spPr>
           <a:xfrm>
-            <a:off x="1285462" y="38550735"/>
+            <a:off x="1277422" y="38926169"/>
             <a:ext cx="7314260" cy="2396144"/>
           </a:xfrm>
           <a:prstGeom prst="rect">
@@ -2853,7 +2853,7 @@
         </p:nvSpPr>
         <p:spPr>
           <a:xfrm>
-            <a:off x="1285462" y="37417869"/>
+            <a:off x="1277422" y="37793303"/>
             <a:ext cx="2385859" cy="918816"/>
           </a:xfrm>
           <a:prstGeom prst="rect">
@@ -2882,7 +2882,7 @@
         </p:nvSpPr>
         <p:spPr>
           <a:xfrm>
-            <a:off x="15157963" y="38336685"/>
+            <a:off x="15149923" y="38712119"/>
             <a:ext cx="13452122" cy="2852949"/>
           </a:xfrm>
           <a:prstGeom prst="rect">
@@ -3034,7 +3034,7 @@
         </p:nvSpPr>
         <p:spPr>
           <a:xfrm>
-            <a:off x="15157964" y="37391727"/>
+            <a:off x="15149924" y="37767161"/>
             <a:ext cx="3325668" cy="918816"/>
           </a:xfrm>
           <a:prstGeom prst="rect">
@@ -3069,7 +3069,7 @@
         </p:nvGrpSpPr>
         <p:grpSpPr>
           <a:xfrm>
-            <a:off x="1635852" y="5847526"/>
+            <a:off x="1693590" y="7570491"/>
             <a:ext cx="8407576" cy="7429133"/>
             <a:chOff x="1665205" y="6029900"/>
             <a:chExt cx="8407576" cy="7429133"/>
@@ -3361,10 +3361,10 @@
         </p:nvGrpSpPr>
         <p:grpSpPr>
           <a:xfrm>
-            <a:off x="1587201" y="19873069"/>
-            <a:ext cx="8407576" cy="5057976"/>
-            <a:chOff x="1700284" y="26497685"/>
-            <a:chExt cx="8908089" cy="5028473"/>
+            <a:off x="1693590" y="23599535"/>
+            <a:ext cx="8407576" cy="5057977"/>
+            <a:chOff x="1700284" y="26497684"/>
+            <a:chExt cx="8908089" cy="5028474"/>
           </a:xfrm>
         </p:grpSpPr>
         <p:sp>
@@ -3564,7 +3564,7 @@
           </p:nvSpPr>
           <p:spPr>
             <a:xfrm>
-              <a:off x="1700284" y="26497685"/>
+              <a:off x="1700284" y="26497684"/>
               <a:ext cx="8908089" cy="891547"/>
             </a:xfrm>
             <a:prstGeom prst="rect">
@@ -3626,7 +3626,7 @@
         </p:nvGrpSpPr>
         <p:grpSpPr>
           <a:xfrm>
-            <a:off x="1548137" y="25495004"/>
+            <a:off x="1693590" y="30237116"/>
             <a:ext cx="8407576" cy="4876396"/>
             <a:chOff x="10991834" y="31531719"/>
             <a:chExt cx="8407576" cy="4876396"/>
@@ -3882,7 +3882,7 @@
         </p:nvGrpSpPr>
         <p:grpSpPr>
           <a:xfrm>
-            <a:off x="20272498" y="6404551"/>
+            <a:off x="20379215" y="7546236"/>
             <a:ext cx="8407576" cy="7433102"/>
             <a:chOff x="10925564" y="5644318"/>
             <a:chExt cx="8407576" cy="7433102"/>
@@ -4264,7 +4264,7 @@
         </p:nvGrpSpPr>
         <p:grpSpPr>
           <a:xfrm>
-            <a:off x="1635851" y="13851311"/>
+            <a:off x="1639504" y="16687614"/>
             <a:ext cx="8407577" cy="5284503"/>
             <a:chOff x="1700284" y="14958883"/>
             <a:chExt cx="8407577" cy="5284503"/>
@@ -4549,10 +4549,10 @@
         </p:nvGrpSpPr>
         <p:grpSpPr>
           <a:xfrm>
-            <a:off x="21713936" y="19873069"/>
-            <a:ext cx="6966138" cy="7478958"/>
-            <a:chOff x="10991834" y="26266074"/>
-            <a:chExt cx="8407576" cy="7083114"/>
+            <a:off x="21820653" y="21199363"/>
+            <a:ext cx="6966138" cy="7478961"/>
+            <a:chOff x="10991834" y="26266071"/>
+            <a:chExt cx="8407576" cy="7083117"/>
           </a:xfrm>
         </p:grpSpPr>
         <p:sp>
@@ -4563,7 +4563,7 @@
           </p:nvSpPr>
           <p:spPr>
             <a:xfrm>
-              <a:off x="10991834" y="26266074"/>
+              <a:off x="10991834" y="26266071"/>
               <a:ext cx="8407576" cy="891547"/>
             </a:xfrm>
             <a:prstGeom prst="rect">
@@ -4882,7 +4882,7 @@
         </p:blipFill>
         <p:spPr>
           <a:xfrm>
-            <a:off x="24427635" y="42507544"/>
+            <a:off x="24419595" y="42882978"/>
             <a:ext cx="5839640" cy="171463"/>
           </a:xfrm>
           <a:prstGeom prst="rect">
@@ -4904,7 +4904,7 @@
         </p:nvGrpSpPr>
         <p:grpSpPr>
           <a:xfrm>
-            <a:off x="11039166" y="5485298"/>
+            <a:off x="11036670" y="5926105"/>
             <a:ext cx="7550555" cy="3627704"/>
             <a:chOff x="2066076" y="13126956"/>
             <a:chExt cx="7550555" cy="3627704"/>
@@ -5130,7 +5130,7 @@
         </p:nvGrpSpPr>
         <p:grpSpPr>
           <a:xfrm>
-            <a:off x="10998509" y="9790757"/>
+            <a:off x="11036670" y="10401615"/>
             <a:ext cx="8873276" cy="5397284"/>
             <a:chOff x="19843601" y="5719724"/>
             <a:chExt cx="8873276" cy="5397284"/>
@@ -5362,10 +5362,10 @@
         </p:nvGrpSpPr>
         <p:grpSpPr>
           <a:xfrm>
-            <a:off x="10904761" y="15775096"/>
-            <a:ext cx="16322433" cy="3746303"/>
-            <a:chOff x="11388224" y="14980916"/>
-            <a:chExt cx="16322433" cy="3746303"/>
+            <a:off x="10546441" y="16643181"/>
+            <a:ext cx="16322433" cy="3792727"/>
+            <a:chOff x="11162513" y="15016936"/>
+            <a:chExt cx="16322433" cy="3792727"/>
           </a:xfrm>
         </p:grpSpPr>
         <p:pic>
@@ -5396,7 +5396,7 @@
           </p:blipFill>
           <p:spPr>
             <a:xfrm>
-              <a:off x="11388224" y="14980916"/>
+              <a:off x="11162513" y="15016936"/>
               <a:ext cx="16322433" cy="2967715"/>
             </a:xfrm>
             <a:prstGeom prst="rect">
@@ -5420,7 +5420,7 @@
           </p:nvSpPr>
           <p:spPr bwMode="auto">
             <a:xfrm>
-              <a:off x="16283571" y="18208512"/>
+              <a:off x="13330161" y="18290956"/>
               <a:ext cx="6531738" cy="518707"/>
             </a:xfrm>
             <a:prstGeom prst="rect">
@@ -5594,8 +5594,8 @@
         </p:nvGrpSpPr>
         <p:grpSpPr>
           <a:xfrm>
-            <a:off x="10485436" y="20765911"/>
-            <a:ext cx="10770407" cy="5892386"/>
+            <a:off x="10516278" y="22175882"/>
+            <a:ext cx="11127719" cy="5864300"/>
             <a:chOff x="10043428" y="20572863"/>
             <a:chExt cx="11275366" cy="5562690"/>
           </a:xfrm>
@@ -5812,551 +5812,42 @@
           </p:txBody>
         </p:sp>
       </p:grpSp>
-      <p:grpSp>
-        <p:nvGrpSpPr>
-          <p:cNvPr id="67" name="Group 66">
+      <p:pic>
+        <p:nvPicPr>
+          <p:cNvPr id="3" name="Picture 2">
             <a:extLst>
               <a:ext uri="{FF2B5EF4-FFF2-40B4-BE49-F238E27FC236}">
-                <a16:creationId xmlns:a16="http://schemas.microsoft.com/office/drawing/2014/main" id="{C15379E4-2DBD-DDE1-0140-F4DA772CD35E}"/>
+                <a16:creationId xmlns:a16="http://schemas.microsoft.com/office/drawing/2014/main" id="{23806C88-537D-445B-B0ED-01CAF56D2D30}"/>
               </a:ext>
             </a:extLst>
           </p:cNvPr>
-          <p:cNvGrpSpPr/>
+          <p:cNvPicPr>
+            <a:picLocks noChangeAspect="1"/>
+          </p:cNvPicPr>
           <p:nvPr/>
-        </p:nvGrpSpPr>
-        <p:grpSpPr>
-          <a:xfrm>
-            <a:off x="10104991" y="28483717"/>
-            <a:ext cx="19216926" cy="7663498"/>
-            <a:chOff x="10176955" y="27514094"/>
-            <a:chExt cx="19216926" cy="7663498"/>
-          </a:xfrm>
-        </p:grpSpPr>
-        <p:pic>
-          <p:nvPicPr>
-            <p:cNvPr id="29" name="Picture 28">
-              <a:extLst>
-                <a:ext uri="{FF2B5EF4-FFF2-40B4-BE49-F238E27FC236}">
-                  <a16:creationId xmlns:a16="http://schemas.microsoft.com/office/drawing/2014/main" id="{AF46844C-F369-6D9D-25C1-B2A191DE2733}"/>
-                </a:ext>
-              </a:extLst>
-            </p:cNvPr>
-            <p:cNvPicPr>
-              <a:picLocks noChangeAspect="1"/>
-            </p:cNvPicPr>
-            <p:nvPr/>
-          </p:nvPicPr>
-          <p:blipFill>
-            <a:blip r:embed="rId10">
-              <a:extLst>
-                <a:ext uri="{28A0092B-C50C-407E-A947-70E740481C1C}">
-                  <a14:useLocalDpi xmlns:a14="http://schemas.microsoft.com/office/drawing/2010/main" val="0"/>
-                </a:ext>
-              </a:extLst>
-            </a:blip>
-            <a:stretch>
-              <a:fillRect/>
-            </a:stretch>
-          </p:blipFill>
-          <p:spPr>
-            <a:xfrm>
-              <a:off x="10176955" y="27514094"/>
-              <a:ext cx="19216926" cy="7206347"/>
-            </a:xfrm>
-            <a:prstGeom prst="rect">
-              <a:avLst/>
-            </a:prstGeom>
-          </p:spPr>
-        </p:pic>
-        <p:sp>
-          <p:nvSpPr>
-            <p:cNvPr id="66" name="Text Box 181">
-              <a:extLst>
-                <a:ext uri="{FF2B5EF4-FFF2-40B4-BE49-F238E27FC236}">
-                  <a16:creationId xmlns:a16="http://schemas.microsoft.com/office/drawing/2014/main" id="{A7357710-D120-728B-62E3-DE3900E2EE41}"/>
-                </a:ext>
-              </a:extLst>
-            </p:cNvPr>
-            <p:cNvSpPr txBox="1">
-              <a:spLocks noChangeArrowheads="1"/>
-            </p:cNvSpPr>
-            <p:nvPr/>
-          </p:nvSpPr>
-          <p:spPr bwMode="auto">
-            <a:xfrm>
-              <a:off x="16389008" y="34720441"/>
-              <a:ext cx="7669678" cy="457151"/>
-            </a:xfrm>
-            <a:prstGeom prst="rect">
-              <a:avLst/>
-            </a:prstGeom>
-            <a:noFill/>
-            <a:ln>
-              <a:noFill/>
-            </a:ln>
-            <a:effectLst/>
+        </p:nvPicPr>
+        <p:blipFill>
+          <a:blip r:embed="rId10">
             <a:extLst>
-              <a:ext uri="{909E8E84-426E-40DD-AFC4-6F175D3DCCD1}">
-                <a14:hiddenFill xmlns:a14="http://schemas.microsoft.com/office/drawing/2010/main">
-                  <a:solidFill>
-                    <a:schemeClr val="accent1"/>
-                  </a:solidFill>
-                </a14:hiddenFill>
-              </a:ext>
-              <a:ext uri="{91240B29-F687-4F45-9708-019B960494DF}">
-                <a14:hiddenLine xmlns:a14="http://schemas.microsoft.com/office/drawing/2010/main" w="9525">
-                  <a:solidFill>
-                    <a:schemeClr val="tx1"/>
-                  </a:solidFill>
-                  <a:miter lim="800000"/>
-                  <a:headEnd/>
-                  <a:tailEnd/>
-                </a14:hiddenLine>
-              </a:ext>
-              <a:ext uri="{AF507438-7753-43E0-B8FC-AC1667EBCBE1}">
-                <a14:hiddenEffects xmlns:a14="http://schemas.microsoft.com/office/drawing/2010/main">
-                  <a:effectLst>
-                    <a:outerShdw dist="35921" dir="2700000" algn="ctr" rotWithShape="0">
-                      <a:schemeClr val="bg2"/>
-                    </a:outerShdw>
-                  </a:effectLst>
-                </a14:hiddenEffects>
+              <a:ext uri="{28A0092B-C50C-407E-A947-70E740481C1C}">
+                <a14:useLocalDpi xmlns:a14="http://schemas.microsoft.com/office/drawing/2010/main" val="0"/>
               </a:ext>
             </a:extLst>
-          </p:spPr>
-          <p:txBody>
-            <a:bodyPr wrap="none" lIns="86970" tIns="43485" rIns="86970" bIns="43485">
-              <a:spAutoFit/>
-            </a:bodyPr>
-            <a:lstStyle>
-              <a:lvl1pPr defTabSz="4389438" eaLnBrk="0" hangingPunct="0">
-                <a:defRPr sz="2200">
-                  <a:solidFill>
-                    <a:schemeClr val="tx1"/>
-                  </a:solidFill>
-                  <a:latin typeface="Arial" charset="0"/>
-                </a:defRPr>
-              </a:lvl1pPr>
-              <a:lvl2pPr marL="742950" indent="-285750" defTabSz="4389438" eaLnBrk="0" hangingPunct="0">
-                <a:defRPr sz="2200">
-                  <a:solidFill>
-                    <a:schemeClr val="tx1"/>
-                  </a:solidFill>
-                  <a:latin typeface="Arial" charset="0"/>
-                </a:defRPr>
-              </a:lvl2pPr>
-              <a:lvl3pPr marL="1143000" indent="-228600" defTabSz="4389438" eaLnBrk="0" hangingPunct="0">
-                <a:defRPr sz="2200">
-                  <a:solidFill>
-                    <a:schemeClr val="tx1"/>
-                  </a:solidFill>
-                  <a:latin typeface="Arial" charset="0"/>
-                </a:defRPr>
-              </a:lvl3pPr>
-              <a:lvl4pPr marL="1600200" indent="-228600" defTabSz="4389438" eaLnBrk="0" hangingPunct="0">
-                <a:defRPr sz="2200">
-                  <a:solidFill>
-                    <a:schemeClr val="tx1"/>
-                  </a:solidFill>
-                  <a:latin typeface="Arial" charset="0"/>
-                </a:defRPr>
-              </a:lvl4pPr>
-              <a:lvl5pPr marL="2057400" indent="-228600" defTabSz="4389438" eaLnBrk="0" hangingPunct="0">
-                <a:defRPr sz="2200">
-                  <a:solidFill>
-                    <a:schemeClr val="tx1"/>
-                  </a:solidFill>
-                  <a:latin typeface="Arial" charset="0"/>
-                </a:defRPr>
-              </a:lvl5pPr>
-              <a:lvl6pPr marL="2514600" indent="-228600" defTabSz="4389438" eaLnBrk="0" fontAlgn="base" hangingPunct="0">
-                <a:spcBef>
-                  <a:spcPct val="0"/>
-                </a:spcBef>
-                <a:spcAft>
-                  <a:spcPct val="0"/>
-                </a:spcAft>
-                <a:defRPr sz="2200">
-                  <a:solidFill>
-                    <a:schemeClr val="tx1"/>
-                  </a:solidFill>
-                  <a:latin typeface="Arial" charset="0"/>
-                </a:defRPr>
-              </a:lvl6pPr>
-              <a:lvl7pPr marL="2971800" indent="-228600" defTabSz="4389438" eaLnBrk="0" fontAlgn="base" hangingPunct="0">
-                <a:spcBef>
-                  <a:spcPct val="0"/>
-                </a:spcBef>
-                <a:spcAft>
-                  <a:spcPct val="0"/>
-                </a:spcAft>
-                <a:defRPr sz="2200">
-                  <a:solidFill>
-                    <a:schemeClr val="tx1"/>
-                  </a:solidFill>
-                  <a:latin typeface="Arial" charset="0"/>
-                </a:defRPr>
-              </a:lvl7pPr>
-              <a:lvl8pPr marL="3429000" indent="-228600" defTabSz="4389438" eaLnBrk="0" fontAlgn="base" hangingPunct="0">
-                <a:spcBef>
-                  <a:spcPct val="0"/>
-                </a:spcBef>
-                <a:spcAft>
-                  <a:spcPct val="0"/>
-                </a:spcAft>
-                <a:defRPr sz="2200">
-                  <a:solidFill>
-                    <a:schemeClr val="tx1"/>
-                  </a:solidFill>
-                  <a:latin typeface="Arial" charset="0"/>
-                </a:defRPr>
-              </a:lvl8pPr>
-              <a:lvl9pPr marL="3886200" indent="-228600" defTabSz="4389438" eaLnBrk="0" fontAlgn="base" hangingPunct="0">
-                <a:spcBef>
-                  <a:spcPct val="0"/>
-                </a:spcBef>
-                <a:spcAft>
-                  <a:spcPct val="0"/>
-                </a:spcAft>
-                <a:defRPr sz="2200">
-                  <a:solidFill>
-                    <a:schemeClr val="tx1"/>
-                  </a:solidFill>
-                  <a:latin typeface="Arial" charset="0"/>
-                </a:defRPr>
-              </a:lvl9pPr>
-            </a:lstStyle>
-            <a:p>
-              <a:pPr eaLnBrk="1" hangingPunct="1"/>
-              <a:r>
-                <a:rPr lang="en-US" sz="2400" b="1" dirty="0">
-                  <a:latin typeface="Calibri" pitchFamily="34" charset="0"/>
-                </a:rPr>
-                <a:t>Figure 5.</a:t>
-              </a:r>
-              <a:r>
-                <a:rPr lang="en-US" sz="2400" dirty="0">
-                  <a:latin typeface="Calibri" pitchFamily="34" charset="0"/>
-                </a:rPr>
-                <a:t>  Model evaluation before and after active learning.</a:t>
-              </a:r>
-            </a:p>
-          </p:txBody>
-        </p:sp>
-      </p:grpSp>
-      <p:grpSp>
-        <p:nvGrpSpPr>
-          <p:cNvPr id="68" name="Group 67">
-            <a:extLst>
-              <a:ext uri="{FF2B5EF4-FFF2-40B4-BE49-F238E27FC236}">
-                <a16:creationId xmlns:a16="http://schemas.microsoft.com/office/drawing/2014/main" id="{798771E2-E8F3-F851-1207-2814F1785506}"/>
-              </a:ext>
-            </a:extLst>
-          </p:cNvPr>
-          <p:cNvGrpSpPr/>
-          <p:nvPr/>
-        </p:nvGrpSpPr>
-        <p:grpSpPr>
+          </a:blip>
+          <a:stretch>
+            <a:fillRect/>
+          </a:stretch>
+        </p:blipFill>
+        <p:spPr>
           <a:xfrm>
-            <a:off x="1548137" y="30997028"/>
-            <a:ext cx="8407576" cy="5795212"/>
-            <a:chOff x="10991834" y="31531719"/>
-            <a:chExt cx="8407576" cy="6538389"/>
+            <a:off x="10546441" y="29527293"/>
+            <a:ext cx="18864121" cy="6910544"/>
           </a:xfrm>
-        </p:grpSpPr>
-        <p:sp>
-          <p:nvSpPr>
-            <p:cNvPr id="69" name="Text Box 193">
-              <a:extLst>
-                <a:ext uri="{FF2B5EF4-FFF2-40B4-BE49-F238E27FC236}">
-                  <a16:creationId xmlns:a16="http://schemas.microsoft.com/office/drawing/2014/main" id="{B11E1913-2E54-6850-02FB-C37036BC6777}"/>
-                </a:ext>
-              </a:extLst>
-            </p:cNvPr>
-            <p:cNvSpPr txBox="1">
-              <a:spLocks noChangeArrowheads="1"/>
-            </p:cNvSpPr>
-            <p:nvPr/>
-          </p:nvSpPr>
-          <p:spPr bwMode="auto">
-            <a:xfrm>
-              <a:off x="10991834" y="32363519"/>
-              <a:ext cx="8407576" cy="5706589"/>
-            </a:xfrm>
-            <a:prstGeom prst="rect">
-              <a:avLst/>
-            </a:prstGeom>
-            <a:solidFill>
-              <a:schemeClr val="bg1"/>
-            </a:solidFill>
-            <a:ln w="12700">
-              <a:solidFill>
-                <a:schemeClr val="accent1">
-                  <a:lumMod val="75000"/>
-                </a:schemeClr>
-              </a:solidFill>
-            </a:ln>
-            <a:effectLst/>
-          </p:spPr>
-          <p:txBody>
-            <a:bodyPr lIns="173940" tIns="173940" rIns="173940" bIns="173940">
-              <a:spAutoFit/>
-            </a:bodyPr>
-            <a:lstStyle>
-              <a:lvl1pPr eaLnBrk="0" hangingPunct="0">
-                <a:defRPr sz="2200">
-                  <a:solidFill>
-                    <a:schemeClr val="tx1"/>
-                  </a:solidFill>
-                  <a:latin typeface="Arial" charset="0"/>
-                </a:defRPr>
-              </a:lvl1pPr>
-              <a:lvl2pPr marL="742950" indent="-285750" eaLnBrk="0" hangingPunct="0">
-                <a:defRPr sz="2200">
-                  <a:solidFill>
-                    <a:schemeClr val="tx1"/>
-                  </a:solidFill>
-                  <a:latin typeface="Arial" charset="0"/>
-                </a:defRPr>
-              </a:lvl2pPr>
-              <a:lvl3pPr marL="1143000" indent="-228600" eaLnBrk="0" hangingPunct="0">
-                <a:defRPr sz="2200">
-                  <a:solidFill>
-                    <a:schemeClr val="tx1"/>
-                  </a:solidFill>
-                  <a:latin typeface="Arial" charset="0"/>
-                </a:defRPr>
-              </a:lvl3pPr>
-              <a:lvl4pPr marL="1600200" indent="-228600" eaLnBrk="0" hangingPunct="0">
-                <a:defRPr sz="2200">
-                  <a:solidFill>
-                    <a:schemeClr val="tx1"/>
-                  </a:solidFill>
-                  <a:latin typeface="Arial" charset="0"/>
-                </a:defRPr>
-              </a:lvl4pPr>
-              <a:lvl5pPr marL="2057400" indent="-228600" eaLnBrk="0" hangingPunct="0">
-                <a:defRPr sz="2200">
-                  <a:solidFill>
-                    <a:schemeClr val="tx1"/>
-                  </a:solidFill>
-                  <a:latin typeface="Arial" charset="0"/>
-                </a:defRPr>
-              </a:lvl5pPr>
-              <a:lvl6pPr marL="2514600" indent="-228600" eaLnBrk="0" fontAlgn="base" hangingPunct="0">
-                <a:spcBef>
-                  <a:spcPct val="0"/>
-                </a:spcBef>
-                <a:spcAft>
-                  <a:spcPct val="0"/>
-                </a:spcAft>
-                <a:defRPr sz="2200">
-                  <a:solidFill>
-                    <a:schemeClr val="tx1"/>
-                  </a:solidFill>
-                  <a:latin typeface="Arial" charset="0"/>
-                </a:defRPr>
-              </a:lvl6pPr>
-              <a:lvl7pPr marL="2971800" indent="-228600" eaLnBrk="0" fontAlgn="base" hangingPunct="0">
-                <a:spcBef>
-                  <a:spcPct val="0"/>
-                </a:spcBef>
-                <a:spcAft>
-                  <a:spcPct val="0"/>
-                </a:spcAft>
-                <a:defRPr sz="2200">
-                  <a:solidFill>
-                    <a:schemeClr val="tx1"/>
-                  </a:solidFill>
-                  <a:latin typeface="Arial" charset="0"/>
-                </a:defRPr>
-              </a:lvl7pPr>
-              <a:lvl8pPr marL="3429000" indent="-228600" eaLnBrk="0" fontAlgn="base" hangingPunct="0">
-                <a:spcBef>
-                  <a:spcPct val="0"/>
-                </a:spcBef>
-                <a:spcAft>
-                  <a:spcPct val="0"/>
-                </a:spcAft>
-                <a:defRPr sz="2200">
-                  <a:solidFill>
-                    <a:schemeClr val="tx1"/>
-                  </a:solidFill>
-                  <a:latin typeface="Arial" charset="0"/>
-                </a:defRPr>
-              </a:lvl8pPr>
-              <a:lvl9pPr marL="3886200" indent="-228600" eaLnBrk="0" fontAlgn="base" hangingPunct="0">
-                <a:spcBef>
-                  <a:spcPct val="0"/>
-                </a:spcBef>
-                <a:spcAft>
-                  <a:spcPct val="0"/>
-                </a:spcAft>
-                <a:defRPr sz="2200">
-                  <a:solidFill>
-                    <a:schemeClr val="tx1"/>
-                  </a:solidFill>
-                  <a:latin typeface="Arial" charset="0"/>
-                </a:defRPr>
-              </a:lvl9pPr>
-            </a:lstStyle>
-            <a:p>
-              <a:pPr eaLnBrk="1" hangingPunct="1"/>
-              <a:r>
-                <a:rPr lang="en-US" sz="3600" b="1" dirty="0">
-                  <a:latin typeface="Calibri" pitchFamily="34" charset="0"/>
-                </a:rPr>
-                <a:t>Privacy preserving design:</a:t>
-              </a:r>
-            </a:p>
-            <a:p>
-              <a:pPr marL="457200" indent="-457200" eaLnBrk="1" hangingPunct="1">
-                <a:buFont typeface="Arial" panose="020B0604020202020204" pitchFamily="34" charset="0"/>
-                <a:buChar char="•"/>
-              </a:pPr>
-              <a:r>
-                <a:rPr lang="en-US" sz="3000" dirty="0">
-                  <a:latin typeface="Calibri" pitchFamily="34" charset="0"/>
-                </a:rPr>
-                <a:t>Only 3D landmarks collected — No identity exposure</a:t>
-              </a:r>
-            </a:p>
-            <a:p>
-              <a:pPr marL="457200" indent="-457200" eaLnBrk="1" hangingPunct="1">
-                <a:buFont typeface="Arial" panose="020B0604020202020204" pitchFamily="34" charset="0"/>
-                <a:buChar char="•"/>
-              </a:pPr>
-              <a:r>
-                <a:rPr lang="en-US" sz="3000" dirty="0">
-                  <a:latin typeface="Calibri" pitchFamily="34" charset="0"/>
-                </a:rPr>
-                <a:t>100% local processing (edge/desktop)</a:t>
-              </a:r>
-            </a:p>
-            <a:p>
-              <a:pPr marL="457200" indent="-457200" eaLnBrk="1" hangingPunct="1">
-                <a:buFont typeface="Arial" panose="020B0604020202020204" pitchFamily="34" charset="0"/>
-                <a:buChar char="•"/>
-              </a:pPr>
-              <a:r>
-                <a:rPr lang="en-US" sz="3000" dirty="0">
-                  <a:latin typeface="Calibri" pitchFamily="34" charset="0"/>
-                </a:rPr>
-                <a:t>User retains full data control</a:t>
-              </a:r>
-            </a:p>
-            <a:p>
-              <a:pPr marL="457200" indent="-457200" eaLnBrk="1" hangingPunct="1">
-                <a:buFont typeface="Arial" panose="020B0604020202020204" pitchFamily="34" charset="0"/>
-                <a:buChar char="•"/>
-              </a:pPr>
-              <a:endParaRPr lang="en-US" sz="3000" dirty="0">
-                <a:latin typeface="Calibri" pitchFamily="34" charset="0"/>
-              </a:endParaRPr>
-            </a:p>
-            <a:p>
-              <a:pPr eaLnBrk="1" hangingPunct="1"/>
-              <a:r>
-                <a:rPr lang="en-US" sz="3600" b="1" dirty="0">
-                  <a:latin typeface="Calibri" pitchFamily="34" charset="0"/>
-                </a:rPr>
-                <a:t>Safety Features:</a:t>
-              </a:r>
-            </a:p>
-            <a:p>
-              <a:pPr marL="457200" indent="-457200" eaLnBrk="1" hangingPunct="1">
-                <a:buFont typeface="Arial" panose="020B0604020202020204" pitchFamily="34" charset="0"/>
-                <a:buChar char="•"/>
-              </a:pPr>
-              <a:r>
-                <a:rPr lang="en-US" sz="3000" dirty="0">
-                  <a:latin typeface="Calibri" pitchFamily="34" charset="0"/>
-                </a:rPr>
-                <a:t>Explicit "Unknown" class for avoiding accidental triggers</a:t>
-              </a:r>
-            </a:p>
-            <a:p>
-              <a:pPr marL="457200" indent="-457200" eaLnBrk="1" hangingPunct="1">
-                <a:buFont typeface="Arial" panose="020B0604020202020204" pitchFamily="34" charset="0"/>
-                <a:buChar char="•"/>
-              </a:pPr>
-              <a:r>
-                <a:rPr lang="en-US" sz="3000" dirty="0">
-                  <a:latin typeface="Calibri" pitchFamily="34" charset="0"/>
-                </a:rPr>
-                <a:t>Multi-window ambiguity detection</a:t>
-              </a:r>
-            </a:p>
-            <a:p>
-              <a:pPr eaLnBrk="1" hangingPunct="1"/>
-              <a:endParaRPr lang="en-US" sz="3600" b="1" dirty="0">
-                <a:latin typeface="Calibri" pitchFamily="34" charset="0"/>
-              </a:endParaRPr>
-            </a:p>
-          </p:txBody>
-        </p:sp>
-        <p:sp>
-          <p:nvSpPr>
-            <p:cNvPr id="70" name="Rectangle 69">
-              <a:extLst>
-                <a:ext uri="{FF2B5EF4-FFF2-40B4-BE49-F238E27FC236}">
-                  <a16:creationId xmlns:a16="http://schemas.microsoft.com/office/drawing/2014/main" id="{20B35C8A-618D-3E30-E6CF-D554DFA9F93A}"/>
-                </a:ext>
-              </a:extLst>
-            </p:cNvPr>
-            <p:cNvSpPr/>
-            <p:nvPr/>
-          </p:nvSpPr>
-          <p:spPr>
-            <a:xfrm>
-              <a:off x="10991834" y="31531719"/>
-              <a:ext cx="8407576" cy="891547"/>
-            </a:xfrm>
-            <a:prstGeom prst="rect">
-              <a:avLst/>
-            </a:prstGeom>
-            <a:solidFill>
-              <a:schemeClr val="accent1">
-                <a:lumMod val="75000"/>
-              </a:schemeClr>
-            </a:solidFill>
-          </p:spPr>
-          <p:style>
-            <a:lnRef idx="2">
-              <a:schemeClr val="accent1">
-                <a:shade val="50000"/>
-              </a:schemeClr>
-            </a:lnRef>
-            <a:fillRef idx="1">
-              <a:schemeClr val="accent1"/>
-            </a:fillRef>
-            <a:effectRef idx="0">
-              <a:schemeClr val="accent1"/>
-            </a:effectRef>
-            <a:fontRef idx="minor">
-              <a:schemeClr val="lt1"/>
-            </a:fontRef>
-          </p:style>
-          <p:txBody>
-            <a:bodyPr lIns="86970" tIns="43485" rIns="86970" bIns="43485" rtlCol="0" anchor="ctr"/>
-            <a:lstStyle/>
-            <a:p>
-              <a:pPr algn="ctr"/>
-              <a:r>
-                <a:rPr lang="en-US" sz="5400" b="1" dirty="0">
-                  <a:solidFill>
-                    <a:schemeClr val="accent3">
-                      <a:lumMod val="20000"/>
-                      <a:lumOff val="80000"/>
-                    </a:schemeClr>
-                  </a:solidFill>
-                </a:rPr>
-                <a:t>7. Privacy &amp; Safety</a:t>
-              </a:r>
-            </a:p>
-          </p:txBody>
-        </p:sp>
-      </p:grpSp>
+          <a:prstGeom prst="rect">
+            <a:avLst/>
+          </a:prstGeom>
+        </p:spPr>
+      </p:pic>
     </p:spTree>
     <p:extLst>
       <p:ext uri="{BB962C8B-B14F-4D97-AF65-F5344CB8AC3E}">
